--- a/nullershop.pptx
+++ b/nullershop.pptx
@@ -6,25 +6,24 @@
   </p:sldMasterIdLst>
   <p:sldIdLst>
     <p:sldId id="256" r:id="rId2"/>
-    <p:sldId id="259" r:id="rId3"/>
-    <p:sldId id="260" r:id="rId4"/>
-    <p:sldId id="261" r:id="rId5"/>
-    <p:sldId id="262" r:id="rId6"/>
-    <p:sldId id="272" r:id="rId7"/>
-    <p:sldId id="263" r:id="rId8"/>
-    <p:sldId id="264" r:id="rId9"/>
-    <p:sldId id="273" r:id="rId10"/>
-    <p:sldId id="265" r:id="rId11"/>
-    <p:sldId id="274" r:id="rId12"/>
-    <p:sldId id="266" r:id="rId13"/>
-    <p:sldId id="267" r:id="rId14"/>
-    <p:sldId id="275" r:id="rId15"/>
-    <p:sldId id="268" r:id="rId16"/>
-    <p:sldId id="269" r:id="rId17"/>
-    <p:sldId id="277" r:id="rId18"/>
-    <p:sldId id="270" r:id="rId19"/>
-    <p:sldId id="276" r:id="rId20"/>
-    <p:sldId id="271" r:id="rId21"/>
+    <p:sldId id="260" r:id="rId3"/>
+    <p:sldId id="261" r:id="rId4"/>
+    <p:sldId id="262" r:id="rId5"/>
+    <p:sldId id="272" r:id="rId6"/>
+    <p:sldId id="263" r:id="rId7"/>
+    <p:sldId id="264" r:id="rId8"/>
+    <p:sldId id="273" r:id="rId9"/>
+    <p:sldId id="265" r:id="rId10"/>
+    <p:sldId id="274" r:id="rId11"/>
+    <p:sldId id="266" r:id="rId12"/>
+    <p:sldId id="267" r:id="rId13"/>
+    <p:sldId id="275" r:id="rId14"/>
+    <p:sldId id="268" r:id="rId15"/>
+    <p:sldId id="269" r:id="rId16"/>
+    <p:sldId id="277" r:id="rId17"/>
+    <p:sldId id="270" r:id="rId18"/>
+    <p:sldId id="276" r:id="rId19"/>
+    <p:sldId id="271" r:id="rId20"/>
   </p:sldIdLst>
   <p:sldSz cx="14257338" cy="10693400"/>
   <p:notesSz cx="7556500" cy="10693400"/>
@@ -6409,386 +6408,22 @@
   <p:clrMapOvr>
     <a:masterClrMapping/>
   </p:clrMapOvr>
+  <mc:AlternateContent xmlns:mc="http://schemas.openxmlformats.org/markup-compatibility/2006">
+    <mc:Choice xmlns:p159="http://schemas.microsoft.com/office/powerpoint/2015/09/main" Requires="p159">
+      <p:transition xmlns:p14="http://schemas.microsoft.com/office/powerpoint/2010/main" spd="slow" p14:dur="2000">
+        <p159:morph option="byObject"/>
+      </p:transition>
+    </mc:Choice>
+    <mc:Fallback>
+      <p:transition spd="slow">
+        <p:fade/>
+      </p:transition>
+    </mc:Fallback>
+  </mc:AlternateContent>
 </p:sld>
 </file>
 
 <file path=ppt/slides/slide10.xml><?xml version="1.0" encoding="utf-8"?>
-<p:sld xmlns:a="http://schemas.openxmlformats.org/drawingml/2006/main" xmlns:r="http://schemas.openxmlformats.org/officeDocument/2006/relationships" xmlns:p="http://schemas.openxmlformats.org/presentationml/2006/main" showMasterSp="0">
-  <p:cSld>
-    <p:spTree>
-      <p:nvGrpSpPr>
-        <p:cNvPr id="1" name=""/>
-        <p:cNvGrpSpPr/>
-        <p:nvPr/>
-      </p:nvGrpSpPr>
-      <p:grpSpPr>
-        <a:xfrm>
-          <a:off x="0" y="0"/>
-          <a:ext cx="0" cy="0"/>
-          <a:chOff x="0" y="0"/>
-          <a:chExt cx="0" cy="0"/>
-        </a:xfrm>
-      </p:grpSpPr>
-      <p:sp>
-        <p:nvSpPr>
-          <p:cNvPr id="2" name="object 2"/>
-          <p:cNvSpPr txBox="1"/>
-          <p:nvPr/>
-        </p:nvSpPr>
-        <p:spPr>
-          <a:xfrm>
-            <a:off x="2874327" y="1231900"/>
-            <a:ext cx="8508683" cy="7562968"/>
-          </a:xfrm>
-          <a:prstGeom prst="rect">
-            <a:avLst/>
-          </a:prstGeom>
-        </p:spPr>
-        <p:txBody>
-          <a:bodyPr vert="horz" wrap="square" lIns="0" tIns="12065" rIns="0" bIns="0" rtlCol="0">
-            <a:spAutoFit/>
-          </a:bodyPr>
-          <a:lstStyle/>
-          <a:p>
-            <a:pPr marL="12700">
-              <a:spcBef>
-                <a:spcPts val="1325"/>
-              </a:spcBef>
-            </a:pPr>
-            <a:r>
-              <a:rPr sz="2800" spc="-10" dirty="0">
-                <a:solidFill>
-                  <a:schemeClr val="accent1">
-                    <a:lumMod val="40000"/>
-                    <a:lumOff val="60000"/>
-                  </a:schemeClr>
-                </a:solidFill>
-                <a:latin typeface="Arial Black" panose="020B0A04020102020204" pitchFamily="34" charset="0"/>
-                <a:cs typeface="Calibri Light"/>
-              </a:rPr>
-              <a:t>Lista de endpoints:</a:t>
-            </a:r>
-          </a:p>
-          <a:p>
-            <a:pPr marL="12700">
-              <a:spcBef>
-                <a:spcPts val="1585"/>
-              </a:spcBef>
-            </a:pPr>
-            <a:r>
-              <a:rPr dirty="0">
-                <a:latin typeface="Arial Black" panose="020B0A04020102020204" pitchFamily="34" charset="0"/>
-                <a:cs typeface="Times New Roman"/>
-              </a:rPr>
-              <a:t>Shops:</a:t>
-            </a:r>
-          </a:p>
-          <a:p>
-            <a:pPr marL="469265" indent="-228600">
-              <a:spcBef>
-                <a:spcPts val="1335"/>
-              </a:spcBef>
-              <a:buFont typeface="Symbol"/>
-              <a:buChar char=""/>
-              <a:tabLst>
-                <a:tab pos="469265" algn="l"/>
-              </a:tabLst>
-            </a:pPr>
-            <a:r>
-              <a:rPr dirty="0">
-                <a:latin typeface="Arial Black" panose="020B0A04020102020204" pitchFamily="34" charset="0"/>
-                <a:cs typeface="Times New Roman"/>
-              </a:rPr>
-              <a:t>GET /api/shops/{id}: Obtiene una tienda por su ID.</a:t>
-            </a:r>
-          </a:p>
-          <a:p>
-            <a:pPr marL="469265" indent="-228600">
-              <a:buFont typeface="Symbol"/>
-              <a:buChar char=""/>
-              <a:tabLst>
-                <a:tab pos="469265" algn="l"/>
-              </a:tabLst>
-            </a:pPr>
-            <a:r>
-              <a:rPr dirty="0">
-                <a:latin typeface="Arial Black" panose="020B0A04020102020204" pitchFamily="34" charset="0"/>
-                <a:cs typeface="Times New Roman"/>
-              </a:rPr>
-              <a:t>PUT /api/shops/{id}: Actualiza una tienda existente.</a:t>
-            </a:r>
-          </a:p>
-          <a:p>
-            <a:pPr marL="469265" indent="-228600">
-              <a:buFont typeface="Symbol"/>
-              <a:buChar char=""/>
-              <a:tabLst>
-                <a:tab pos="469265" algn="l"/>
-              </a:tabLst>
-            </a:pPr>
-            <a:r>
-              <a:rPr dirty="0">
-                <a:latin typeface="Arial Black" panose="020B0A04020102020204" pitchFamily="34" charset="0"/>
-                <a:cs typeface="Times New Roman"/>
-              </a:rPr>
-              <a:t>DELETE /api/shops/{id}: Elimina una tienda por su ID.</a:t>
-            </a:r>
-          </a:p>
-          <a:p>
-            <a:pPr marL="469265" indent="-228600">
-              <a:buFont typeface="Symbol"/>
-              <a:buChar char=""/>
-              <a:tabLst>
-                <a:tab pos="469265" algn="l"/>
-              </a:tabLst>
-            </a:pPr>
-            <a:r>
-              <a:rPr dirty="0">
-                <a:latin typeface="Arial Black" panose="020B0A04020102020204" pitchFamily="34" charset="0"/>
-                <a:cs typeface="Times New Roman"/>
-              </a:rPr>
-              <a:t>GET /api/shops: Obtiene todas las tiendas.</a:t>
-            </a:r>
-          </a:p>
-          <a:p>
-            <a:pPr marL="469265" indent="-228600">
-              <a:buFont typeface="Symbol"/>
-              <a:buChar char=""/>
-              <a:tabLst>
-                <a:tab pos="469265" algn="l"/>
-              </a:tabLst>
-            </a:pPr>
-            <a:r>
-              <a:rPr dirty="0">
-                <a:latin typeface="Arial Black" panose="020B0A04020102020204" pitchFamily="34" charset="0"/>
-                <a:cs typeface="Times New Roman"/>
-              </a:rPr>
-              <a:t>POST /api/shops: Crea una nueva tienda.</a:t>
-            </a:r>
-          </a:p>
-          <a:p>
-            <a:pPr marL="469265" marR="43180" indent="-228600">
-              <a:spcBef>
-                <a:spcPts val="45"/>
-              </a:spcBef>
-              <a:buFont typeface="Symbol"/>
-              <a:buChar char=""/>
-              <a:tabLst>
-                <a:tab pos="469265" algn="l"/>
-              </a:tabLst>
-            </a:pPr>
-            <a:r>
-              <a:rPr dirty="0">
-                <a:latin typeface="Arial Black" panose="020B0A04020102020204" pitchFamily="34" charset="0"/>
-                <a:cs typeface="Times New Roman"/>
-              </a:rPr>
-              <a:t>DELETE /api/shops/{id}/clients/{clientId}: Elimina un cliente de una tienda.</a:t>
-            </a:r>
-          </a:p>
-          <a:p>
-            <a:pPr marL="469265" indent="-228600">
-              <a:buFont typeface="Symbol"/>
-              <a:buChar char=""/>
-              <a:tabLst>
-                <a:tab pos="469265" algn="l"/>
-              </a:tabLst>
-            </a:pPr>
-            <a:r>
-              <a:rPr dirty="0">
-                <a:latin typeface="Arial Black" panose="020B0A04020102020204" pitchFamily="34" charset="0"/>
-                <a:cs typeface="Times New Roman"/>
-              </a:rPr>
-              <a:t>PATCH /api/shops/{id}/clients/{clientId}: Añade un cliente a una</a:t>
-            </a:r>
-          </a:p>
-          <a:p>
-            <a:pPr marL="469265"/>
-            <a:r>
-              <a:rPr dirty="0">
-                <a:latin typeface="Arial Black" panose="020B0A04020102020204" pitchFamily="34" charset="0"/>
-                <a:cs typeface="Times New Roman"/>
-              </a:rPr>
-              <a:t>tienda.</a:t>
-            </a:r>
-          </a:p>
-          <a:p>
-            <a:pPr marL="469265" indent="-228600">
-              <a:buFont typeface="Symbol"/>
-              <a:buChar char=""/>
-              <a:tabLst>
-                <a:tab pos="469265" algn="l"/>
-              </a:tabLst>
-            </a:pPr>
-            <a:r>
-              <a:rPr dirty="0">
-                <a:latin typeface="Arial Black" panose="020B0A04020102020204" pitchFamily="34" charset="0"/>
-                <a:cs typeface="Times New Roman"/>
-              </a:rPr>
-              <a:t>DELETE /api/shops/{id}/books/{bookId}: Elimina un libro de una tienda.</a:t>
-            </a:r>
-          </a:p>
-          <a:p>
-            <a:pPr marL="469265" indent="-228600">
-              <a:buFont typeface="Symbol"/>
-              <a:buChar char=""/>
-              <a:tabLst>
-                <a:tab pos="469265" algn="l"/>
-              </a:tabLst>
-            </a:pPr>
-            <a:r>
-              <a:rPr dirty="0">
-                <a:latin typeface="Arial Black" panose="020B0A04020102020204" pitchFamily="34" charset="0"/>
-                <a:cs typeface="Times New Roman"/>
-              </a:rPr>
-              <a:t>PATCH /api/shops/{id}/books/{bookId}: Añade un libro a una tienda.</a:t>
-            </a:r>
-          </a:p>
-          <a:p>
-            <a:pPr>
-              <a:spcBef>
-                <a:spcPts val="229"/>
-              </a:spcBef>
-              <a:buFont typeface="Symbol"/>
-              <a:buChar char=""/>
-            </a:pPr>
-            <a:endParaRPr dirty="0">
-              <a:latin typeface="Arial Black" panose="020B0A04020102020204" pitchFamily="34" charset="0"/>
-              <a:cs typeface="Times New Roman"/>
-            </a:endParaRPr>
-          </a:p>
-          <a:p>
-            <a:pPr marL="12700"/>
-            <a:r>
-              <a:rPr dirty="0">
-                <a:latin typeface="Arial Black" panose="020B0A04020102020204" pitchFamily="34" charset="0"/>
-                <a:cs typeface="Times New Roman"/>
-              </a:rPr>
-              <a:t>Publishers:</a:t>
-            </a:r>
-          </a:p>
-          <a:p>
-            <a:pPr marL="469265" indent="-228600">
-              <a:spcBef>
-                <a:spcPts val="1345"/>
-              </a:spcBef>
-              <a:buFont typeface="Symbol"/>
-              <a:buChar char=""/>
-              <a:tabLst>
-                <a:tab pos="469265" algn="l"/>
-              </a:tabLst>
-            </a:pPr>
-            <a:r>
-              <a:rPr dirty="0">
-                <a:latin typeface="Arial Black" panose="020B0A04020102020204" pitchFamily="34" charset="0"/>
-                <a:cs typeface="Times New Roman"/>
-              </a:rPr>
-              <a:t>GET /api/publishers/{id}: Obtiene una editorial dado un ID.</a:t>
-            </a:r>
-          </a:p>
-          <a:p>
-            <a:pPr marL="469265" indent="-228600">
-              <a:buFont typeface="Symbol"/>
-              <a:buChar char=""/>
-              <a:tabLst>
-                <a:tab pos="469265" algn="l"/>
-              </a:tabLst>
-            </a:pPr>
-            <a:r>
-              <a:rPr dirty="0">
-                <a:latin typeface="Arial Black" panose="020B0A04020102020204" pitchFamily="34" charset="0"/>
-                <a:cs typeface="Times New Roman"/>
-              </a:rPr>
-              <a:t>PUT /api/publishers/{id}: Actualiza una editorial.</a:t>
-            </a:r>
-          </a:p>
-          <a:p>
-            <a:pPr marL="469265" indent="-228600">
-              <a:buFont typeface="Symbol"/>
-              <a:buChar char=""/>
-              <a:tabLst>
-                <a:tab pos="469265" algn="l"/>
-              </a:tabLst>
-            </a:pPr>
-            <a:r>
-              <a:rPr dirty="0">
-                <a:latin typeface="Arial Black" panose="020B0A04020102020204" pitchFamily="34" charset="0"/>
-                <a:cs typeface="Times New Roman"/>
-              </a:rPr>
-              <a:t>DELETE /api/publishers/{id}: Elimina una editorial.</a:t>
-            </a:r>
-          </a:p>
-          <a:p>
-            <a:pPr marL="469265" indent="-228600">
-              <a:buFont typeface="Symbol"/>
-              <a:buChar char=""/>
-              <a:tabLst>
-                <a:tab pos="469265" algn="l"/>
-              </a:tabLst>
-            </a:pPr>
-            <a:r>
-              <a:rPr dirty="0">
-                <a:latin typeface="Arial Black" panose="020B0A04020102020204" pitchFamily="34" charset="0"/>
-                <a:cs typeface="Times New Roman"/>
-              </a:rPr>
-              <a:t>GET /api/publishers: Obtiene todas las editoriales.</a:t>
-            </a:r>
-          </a:p>
-          <a:p>
-            <a:pPr marL="469265" indent="-228600">
-              <a:buFont typeface="Symbol"/>
-              <a:buChar char=""/>
-              <a:tabLst>
-                <a:tab pos="469265" algn="l"/>
-              </a:tabLst>
-            </a:pPr>
-            <a:r>
-              <a:rPr dirty="0">
-                <a:latin typeface="Arial Black" panose="020B0A04020102020204" pitchFamily="34" charset="0"/>
-                <a:cs typeface="Times New Roman"/>
-              </a:rPr>
-              <a:t>POST /api/publishers: Crea una editorial.</a:t>
-            </a:r>
-          </a:p>
-          <a:p>
-            <a:pPr marL="469265" indent="-228600">
-              <a:buFont typeface="Symbol"/>
-              <a:buChar char=""/>
-              <a:tabLst>
-                <a:tab pos="469265" algn="l"/>
-              </a:tabLst>
-            </a:pPr>
-            <a:r>
-              <a:rPr dirty="0">
-                <a:latin typeface="Arial Black" panose="020B0A04020102020204" pitchFamily="34" charset="0"/>
-                <a:cs typeface="Times New Roman"/>
-              </a:rPr>
-              <a:t>PATCH /api/publishers/image/{id}: Actualiza la imagen de una editorial.</a:t>
-            </a:r>
-          </a:p>
-          <a:p>
-            <a:pPr>
-              <a:lnSpc>
-                <a:spcPct val="100000"/>
-              </a:lnSpc>
-              <a:buFont typeface="Symbol"/>
-              <a:buChar char=""/>
-            </a:pPr>
-            <a:endParaRPr sz="1200" dirty="0">
-              <a:latin typeface="Times New Roman"/>
-              <a:cs typeface="Times New Roman"/>
-            </a:endParaRPr>
-          </a:p>
-        </p:txBody>
-      </p:sp>
-    </p:spTree>
-  </p:cSld>
-  <p:clrMapOvr>
-    <a:masterClrMapping/>
-  </p:clrMapOvr>
-</p:sld>
-</file>
-
-<file path=ppt/slides/slide11.xml><?xml version="1.0" encoding="utf-8"?>
 <p:sld xmlns:a="http://schemas.openxmlformats.org/drawingml/2006/main" xmlns:r="http://schemas.openxmlformats.org/officeDocument/2006/relationships" xmlns:p="http://schemas.openxmlformats.org/presentationml/2006/main">
   <p:cSld>
     <p:spTree>
@@ -7441,10 +7076,22 @@
   <p:clrMapOvr>
     <a:masterClrMapping/>
   </p:clrMapOvr>
+  <mc:AlternateContent xmlns:mc="http://schemas.openxmlformats.org/markup-compatibility/2006">
+    <mc:Choice xmlns:p159="http://schemas.microsoft.com/office/powerpoint/2015/09/main" Requires="p159">
+      <p:transition xmlns:p14="http://schemas.microsoft.com/office/powerpoint/2010/main" spd="slow" p14:dur="2000">
+        <p159:morph option="byObject"/>
+      </p:transition>
+    </mc:Choice>
+    <mc:Fallback>
+      <p:transition spd="slow">
+        <p:fade/>
+      </p:transition>
+    </mc:Fallback>
+  </mc:AlternateContent>
 </p:sld>
 </file>
 
-<file path=ppt/slides/slide12.xml><?xml version="1.0" encoding="utf-8"?>
+<file path=ppt/slides/slide11.xml><?xml version="1.0" encoding="utf-8"?>
 <p:sld xmlns:a="http://schemas.openxmlformats.org/drawingml/2006/main" xmlns:r="http://schemas.openxmlformats.org/officeDocument/2006/relationships" xmlns:p="http://schemas.openxmlformats.org/presentationml/2006/main" showMasterSp="0">
   <p:cSld>
     <p:bg>
@@ -7801,10 +7448,22 @@
   <p:clrMapOvr>
     <a:overrideClrMapping bg1="dk1" tx1="lt1" bg2="dk2" tx2="lt2" accent1="accent1" accent2="accent2" accent3="accent3" accent4="accent4" accent5="accent5" accent6="accent6" hlink="hlink" folHlink="folHlink"/>
   </p:clrMapOvr>
+  <mc:AlternateContent xmlns:mc="http://schemas.openxmlformats.org/markup-compatibility/2006">
+    <mc:Choice xmlns:p159="http://schemas.microsoft.com/office/powerpoint/2015/09/main" Requires="p159">
+      <p:transition xmlns:p14="http://schemas.microsoft.com/office/powerpoint/2010/main" spd="slow" p14:dur="2000">
+        <p159:morph option="byObject"/>
+      </p:transition>
+    </mc:Choice>
+    <mc:Fallback>
+      <p:transition spd="slow">
+        <p:fade/>
+      </p:transition>
+    </mc:Fallback>
+  </mc:AlternateContent>
 </p:sld>
 </file>
 
-<file path=ppt/slides/slide13.xml><?xml version="1.0" encoding="utf-8"?>
+<file path=ppt/slides/slide12.xml><?xml version="1.0" encoding="utf-8"?>
 <p:sld xmlns:a="http://schemas.openxmlformats.org/drawingml/2006/main" xmlns:r="http://schemas.openxmlformats.org/officeDocument/2006/relationships" xmlns:p="http://schemas.openxmlformats.org/presentationml/2006/main" showMasterSp="0">
   <p:cSld>
     <p:spTree>
@@ -7890,10 +7549,22 @@
   <p:clrMapOvr>
     <a:masterClrMapping/>
   </p:clrMapOvr>
+  <mc:AlternateContent xmlns:mc="http://schemas.openxmlformats.org/markup-compatibility/2006">
+    <mc:Choice xmlns:p159="http://schemas.microsoft.com/office/powerpoint/2015/09/main" Requires="p159">
+      <p:transition xmlns:p14="http://schemas.microsoft.com/office/powerpoint/2010/main" spd="slow" p14:dur="2000">
+        <p159:morph option="byObject"/>
+      </p:transition>
+    </mc:Choice>
+    <mc:Fallback>
+      <p:transition spd="slow">
+        <p:fade/>
+      </p:transition>
+    </mc:Fallback>
+  </mc:AlternateContent>
 </p:sld>
 </file>
 
-<file path=ppt/slides/slide14.xml><?xml version="1.0" encoding="utf-8"?>
+<file path=ppt/slides/slide13.xml><?xml version="1.0" encoding="utf-8"?>
 <p:sld xmlns:a="http://schemas.openxmlformats.org/drawingml/2006/main" xmlns:r="http://schemas.openxmlformats.org/officeDocument/2006/relationships" xmlns:p="http://schemas.openxmlformats.org/presentationml/2006/main">
   <p:cSld>
     <p:spTree>
@@ -8280,10 +7951,22 @@
   <p:clrMapOvr>
     <a:masterClrMapping/>
   </p:clrMapOvr>
+  <mc:AlternateContent xmlns:mc="http://schemas.openxmlformats.org/markup-compatibility/2006">
+    <mc:Choice xmlns:p159="http://schemas.microsoft.com/office/powerpoint/2015/09/main" Requires="p159">
+      <p:transition xmlns:p14="http://schemas.microsoft.com/office/powerpoint/2010/main" spd="slow" p14:dur="2000">
+        <p159:morph option="byObject"/>
+      </p:transition>
+    </mc:Choice>
+    <mc:Fallback>
+      <p:transition spd="slow">
+        <p:fade/>
+      </p:transition>
+    </mc:Fallback>
+  </mc:AlternateContent>
 </p:sld>
 </file>
 
-<file path=ppt/slides/slide15.xml><?xml version="1.0" encoding="utf-8"?>
+<file path=ppt/slides/slide14.xml><?xml version="1.0" encoding="utf-8"?>
 <p:sld xmlns:a="http://schemas.openxmlformats.org/drawingml/2006/main" xmlns:r="http://schemas.openxmlformats.org/officeDocument/2006/relationships" xmlns:p="http://schemas.openxmlformats.org/presentationml/2006/main" showMasterSp="0">
   <p:cSld>
     <p:spTree>
@@ -8541,10 +8224,22 @@
   <p:clrMapOvr>
     <a:masterClrMapping/>
   </p:clrMapOvr>
+  <mc:AlternateContent xmlns:mc="http://schemas.openxmlformats.org/markup-compatibility/2006">
+    <mc:Choice xmlns:p159="http://schemas.microsoft.com/office/powerpoint/2015/09/main" Requires="p159">
+      <p:transition xmlns:p14="http://schemas.microsoft.com/office/powerpoint/2010/main" spd="slow" p14:dur="2000">
+        <p159:morph option="byObject"/>
+      </p:transition>
+    </mc:Choice>
+    <mc:Fallback>
+      <p:transition spd="slow">
+        <p:fade/>
+      </p:transition>
+    </mc:Fallback>
+  </mc:AlternateContent>
 </p:sld>
 </file>
 
-<file path=ppt/slides/slide16.xml><?xml version="1.0" encoding="utf-8"?>
+<file path=ppt/slides/slide15.xml><?xml version="1.0" encoding="utf-8"?>
 <p:sld xmlns:a="http://schemas.openxmlformats.org/drawingml/2006/main" xmlns:r="http://schemas.openxmlformats.org/officeDocument/2006/relationships" xmlns:p="http://schemas.openxmlformats.org/presentationml/2006/main" showMasterSp="0">
   <p:cSld>
     <p:spTree>
@@ -8879,10 +8574,22 @@
   <p:clrMapOvr>
     <a:masterClrMapping/>
   </p:clrMapOvr>
+  <mc:AlternateContent xmlns:mc="http://schemas.openxmlformats.org/markup-compatibility/2006">
+    <mc:Choice xmlns:p159="http://schemas.microsoft.com/office/powerpoint/2015/09/main" Requires="p159">
+      <p:transition xmlns:p14="http://schemas.microsoft.com/office/powerpoint/2010/main" spd="slow" p14:dur="2000">
+        <p159:morph option="byObject"/>
+      </p:transition>
+    </mc:Choice>
+    <mc:Fallback>
+      <p:transition spd="slow">
+        <p:fade/>
+      </p:transition>
+    </mc:Fallback>
+  </mc:AlternateContent>
 </p:sld>
 </file>
 
-<file path=ppt/slides/slide17.xml><?xml version="1.0" encoding="utf-8"?>
+<file path=ppt/slides/slide16.xml><?xml version="1.0" encoding="utf-8"?>
 <p:sld xmlns:a="http://schemas.openxmlformats.org/drawingml/2006/main" xmlns:r="http://schemas.openxmlformats.org/officeDocument/2006/relationships" xmlns:p="http://schemas.openxmlformats.org/presentationml/2006/main">
   <p:cSld>
     <p:spTree>
@@ -9147,10 +8854,22 @@
   <p:clrMapOvr>
     <a:masterClrMapping/>
   </p:clrMapOvr>
+  <mc:AlternateContent xmlns:mc="http://schemas.openxmlformats.org/markup-compatibility/2006">
+    <mc:Choice xmlns:p159="http://schemas.microsoft.com/office/powerpoint/2015/09/main" Requires="p159">
+      <p:transition xmlns:p14="http://schemas.microsoft.com/office/powerpoint/2010/main" spd="slow" p14:dur="2000">
+        <p159:morph option="byObject"/>
+      </p:transition>
+    </mc:Choice>
+    <mc:Fallback>
+      <p:transition spd="slow">
+        <p:fade/>
+      </p:transition>
+    </mc:Fallback>
+  </mc:AlternateContent>
 </p:sld>
 </file>
 
-<file path=ppt/slides/slide18.xml><?xml version="1.0" encoding="utf-8"?>
+<file path=ppt/slides/slide17.xml><?xml version="1.0" encoding="utf-8"?>
 <p:sld xmlns:a="http://schemas.openxmlformats.org/drawingml/2006/main" xmlns:r="http://schemas.openxmlformats.org/officeDocument/2006/relationships" xmlns:p="http://schemas.openxmlformats.org/presentationml/2006/main" showMasterSp="0">
   <p:cSld>
     <p:spTree>
@@ -9371,10 +9090,22 @@
   <p:clrMapOvr>
     <a:masterClrMapping/>
   </p:clrMapOvr>
+  <mc:AlternateContent xmlns:mc="http://schemas.openxmlformats.org/markup-compatibility/2006">
+    <mc:Choice xmlns:p159="http://schemas.microsoft.com/office/powerpoint/2015/09/main" Requires="p159">
+      <p:transition xmlns:p14="http://schemas.microsoft.com/office/powerpoint/2010/main" spd="slow" p14:dur="2000">
+        <p159:morph option="byObject"/>
+      </p:transition>
+    </mc:Choice>
+    <mc:Fallback>
+      <p:transition spd="slow">
+        <p:fade/>
+      </p:transition>
+    </mc:Fallback>
+  </mc:AlternateContent>
 </p:sld>
 </file>
 
-<file path=ppt/slides/slide19.xml><?xml version="1.0" encoding="utf-8"?>
+<file path=ppt/slides/slide18.xml><?xml version="1.0" encoding="utf-8"?>
 <p:sld xmlns:a="http://schemas.openxmlformats.org/drawingml/2006/main" xmlns:r="http://schemas.openxmlformats.org/officeDocument/2006/relationships" xmlns:p="http://schemas.openxmlformats.org/presentationml/2006/main">
   <p:cSld>
     <p:spTree>
@@ -9577,35 +9308,22 @@
   <p:clrMapOvr>
     <a:masterClrMapping/>
   </p:clrMapOvr>
+  <mc:AlternateContent xmlns:mc="http://schemas.openxmlformats.org/markup-compatibility/2006">
+    <mc:Choice xmlns:p159="http://schemas.microsoft.com/office/powerpoint/2015/09/main" Requires="p159">
+      <p:transition xmlns:p14="http://schemas.microsoft.com/office/powerpoint/2010/main" spd="slow" p14:dur="2000">
+        <p159:morph option="byObject"/>
+      </p:transition>
+    </mc:Choice>
+    <mc:Fallback>
+      <p:transition spd="slow">
+        <p:fade/>
+      </p:transition>
+    </mc:Fallback>
+  </mc:AlternateContent>
 </p:sld>
 </file>
 
-<file path=ppt/slides/slide2.xml><?xml version="1.0" encoding="utf-8"?>
-<p:sld xmlns:a="http://schemas.openxmlformats.org/drawingml/2006/main" xmlns:r="http://schemas.openxmlformats.org/officeDocument/2006/relationships" xmlns:p="http://schemas.openxmlformats.org/presentationml/2006/main" showMasterSp="0">
-  <p:cSld>
-    <p:spTree>
-      <p:nvGrpSpPr>
-        <p:cNvPr id="1" name=""/>
-        <p:cNvGrpSpPr/>
-        <p:nvPr/>
-      </p:nvGrpSpPr>
-      <p:grpSpPr>
-        <a:xfrm>
-          <a:off x="0" y="0"/>
-          <a:ext cx="0" cy="0"/>
-          <a:chOff x="0" y="0"/>
-          <a:chExt cx="0" cy="0"/>
-        </a:xfrm>
-      </p:grpSpPr>
-    </p:spTree>
-  </p:cSld>
-  <p:clrMapOvr>
-    <a:masterClrMapping/>
-  </p:clrMapOvr>
-</p:sld>
-</file>
-
-<file path=ppt/slides/slide20.xml><?xml version="1.0" encoding="utf-8"?>
+<file path=ppt/slides/slide19.xml><?xml version="1.0" encoding="utf-8"?>
 <p:sld xmlns:a="http://schemas.openxmlformats.org/drawingml/2006/main" xmlns:r="http://schemas.openxmlformats.org/officeDocument/2006/relationships" xmlns:p="http://schemas.openxmlformats.org/presentationml/2006/main" showMasterSp="0">
   <p:cSld>
     <p:spTree>
@@ -9715,10 +9433,22 @@
   <p:clrMapOvr>
     <a:masterClrMapping/>
   </p:clrMapOvr>
+  <mc:AlternateContent xmlns:mc="http://schemas.openxmlformats.org/markup-compatibility/2006">
+    <mc:Choice xmlns:p159="http://schemas.microsoft.com/office/powerpoint/2015/09/main" Requires="p159">
+      <p:transition xmlns:p14="http://schemas.microsoft.com/office/powerpoint/2010/main" spd="slow" p14:dur="2000">
+        <p159:morph option="byObject"/>
+      </p:transition>
+    </mc:Choice>
+    <mc:Fallback>
+      <p:transition spd="slow">
+        <p:fade/>
+      </p:transition>
+    </mc:Fallback>
+  </mc:AlternateContent>
 </p:sld>
 </file>
 
-<file path=ppt/slides/slide3.xml><?xml version="1.0" encoding="utf-8"?>
+<file path=ppt/slides/slide2.xml><?xml version="1.0" encoding="utf-8"?>
 <p:sld xmlns:a="http://schemas.openxmlformats.org/drawingml/2006/main" xmlns:r="http://schemas.openxmlformats.org/officeDocument/2006/relationships" xmlns:p="http://schemas.openxmlformats.org/presentationml/2006/main" showMasterSp="0">
   <p:cSld>
     <p:spTree>
@@ -11992,10 +11722,22 @@
   <p:clrMapOvr>
     <a:masterClrMapping/>
   </p:clrMapOvr>
+  <mc:AlternateContent xmlns:mc="http://schemas.openxmlformats.org/markup-compatibility/2006">
+    <mc:Choice xmlns:p159="http://schemas.microsoft.com/office/powerpoint/2015/09/main" Requires="p159">
+      <p:transition xmlns:p14="http://schemas.microsoft.com/office/powerpoint/2010/main" spd="slow" p14:dur="2000">
+        <p159:morph option="byObject"/>
+      </p:transition>
+    </mc:Choice>
+    <mc:Fallback>
+      <p:transition spd="slow">
+        <p:fade/>
+      </p:transition>
+    </mc:Fallback>
+  </mc:AlternateContent>
 </p:sld>
 </file>
 
-<file path=ppt/slides/slide4.xml><?xml version="1.0" encoding="utf-8"?>
+<file path=ppt/slides/slide3.xml><?xml version="1.0" encoding="utf-8"?>
 <p:sld xmlns:a="http://schemas.openxmlformats.org/drawingml/2006/main" xmlns:r="http://schemas.openxmlformats.org/officeDocument/2006/relationships" xmlns:p="http://schemas.openxmlformats.org/presentationml/2006/main" showMasterSp="0">
   <p:cSld>
     <p:spTree>
@@ -12143,10 +11885,22 @@
   <p:clrMapOvr>
     <a:masterClrMapping/>
   </p:clrMapOvr>
+  <mc:AlternateContent xmlns:mc="http://schemas.openxmlformats.org/markup-compatibility/2006">
+    <mc:Choice xmlns:p159="http://schemas.microsoft.com/office/powerpoint/2015/09/main" Requires="p159">
+      <p:transition xmlns:p14="http://schemas.microsoft.com/office/powerpoint/2010/main" spd="slow" p14:dur="2000">
+        <p159:morph option="byObject"/>
+      </p:transition>
+    </mc:Choice>
+    <mc:Fallback>
+      <p:transition spd="slow">
+        <p:fade/>
+      </p:transition>
+    </mc:Fallback>
+  </mc:AlternateContent>
 </p:sld>
 </file>
 
-<file path=ppt/slides/slide5.xml><?xml version="1.0" encoding="utf-8"?>
+<file path=ppt/slides/slide4.xml><?xml version="1.0" encoding="utf-8"?>
 <p:sld xmlns:a="http://schemas.openxmlformats.org/drawingml/2006/main" xmlns:r="http://schemas.openxmlformats.org/officeDocument/2006/relationships" xmlns:p="http://schemas.openxmlformats.org/presentationml/2006/main" showMasterSp="0">
   <p:cSld>
     <p:spTree>
@@ -12448,10 +12202,22 @@
   <p:clrMapOvr>
     <a:masterClrMapping/>
   </p:clrMapOvr>
+  <mc:AlternateContent xmlns:mc="http://schemas.openxmlformats.org/markup-compatibility/2006">
+    <mc:Choice xmlns:p159="http://schemas.microsoft.com/office/powerpoint/2015/09/main" Requires="p159">
+      <p:transition xmlns:p14="http://schemas.microsoft.com/office/powerpoint/2010/main" spd="slow" p14:dur="2000">
+        <p159:morph option="byObject"/>
+      </p:transition>
+    </mc:Choice>
+    <mc:Fallback>
+      <p:transition spd="slow">
+        <p:fade/>
+      </p:transition>
+    </mc:Fallback>
+  </mc:AlternateContent>
 </p:sld>
 </file>
 
-<file path=ppt/slides/slide6.xml><?xml version="1.0" encoding="utf-8"?>
+<file path=ppt/slides/slide5.xml><?xml version="1.0" encoding="utf-8"?>
 <p:sld xmlns:a="http://schemas.openxmlformats.org/drawingml/2006/main" xmlns:r="http://schemas.openxmlformats.org/officeDocument/2006/relationships" xmlns:p="http://schemas.openxmlformats.org/presentationml/2006/main">
   <p:cSld>
     <p:spTree>
@@ -12506,10 +12272,22 @@
   <p:clrMapOvr>
     <a:masterClrMapping/>
   </p:clrMapOvr>
+  <mc:AlternateContent xmlns:mc="http://schemas.openxmlformats.org/markup-compatibility/2006">
+    <mc:Choice xmlns:p159="http://schemas.microsoft.com/office/powerpoint/2015/09/main" Requires="p159">
+      <p:transition xmlns:p14="http://schemas.microsoft.com/office/powerpoint/2010/main" spd="slow" p14:dur="2000">
+        <p159:morph option="byObject"/>
+      </p:transition>
+    </mc:Choice>
+    <mc:Fallback>
+      <p:transition spd="slow">
+        <p:fade/>
+      </p:transition>
+    </mc:Fallback>
+  </mc:AlternateContent>
 </p:sld>
 </file>
 
-<file path=ppt/slides/slide7.xml><?xml version="1.0" encoding="utf-8"?>
+<file path=ppt/slides/slide6.xml><?xml version="1.0" encoding="utf-8"?>
 <p:sld xmlns:a="http://schemas.openxmlformats.org/drawingml/2006/main" xmlns:r="http://schemas.openxmlformats.org/officeDocument/2006/relationships" xmlns:p="http://schemas.openxmlformats.org/presentationml/2006/main" showMasterSp="0">
   <p:cSld>
     <p:spTree>
@@ -12782,10 +12560,22 @@
   <p:clrMapOvr>
     <a:masterClrMapping/>
   </p:clrMapOvr>
+  <mc:AlternateContent xmlns:mc="http://schemas.openxmlformats.org/markup-compatibility/2006">
+    <mc:Choice xmlns:p159="http://schemas.microsoft.com/office/powerpoint/2015/09/main" Requires="p159">
+      <p:transition xmlns:p14="http://schemas.microsoft.com/office/powerpoint/2010/main" spd="slow" p14:dur="2000">
+        <p159:morph option="byObject"/>
+      </p:transition>
+    </mc:Choice>
+    <mc:Fallback>
+      <p:transition spd="slow">
+        <p:fade/>
+      </p:transition>
+    </mc:Fallback>
+  </mc:AlternateContent>
 </p:sld>
 </file>
 
-<file path=ppt/slides/slide8.xml><?xml version="1.0" encoding="utf-8"?>
+<file path=ppt/slides/slide7.xml><?xml version="1.0" encoding="utf-8"?>
 <p:sld xmlns:a="http://schemas.openxmlformats.org/drawingml/2006/main" xmlns:r="http://schemas.openxmlformats.org/officeDocument/2006/relationships" xmlns:p="http://schemas.openxmlformats.org/presentationml/2006/main" showMasterSp="0">
   <p:cSld>
     <p:spTree>
@@ -12984,10 +12774,22 @@
   <p:clrMapOvr>
     <a:masterClrMapping/>
   </p:clrMapOvr>
+  <mc:AlternateContent xmlns:mc="http://schemas.openxmlformats.org/markup-compatibility/2006">
+    <mc:Choice xmlns:p159="http://schemas.microsoft.com/office/powerpoint/2015/09/main" Requires="p159">
+      <p:transition xmlns:p14="http://schemas.microsoft.com/office/powerpoint/2010/main" spd="slow" p14:dur="2000">
+        <p159:morph option="byObject"/>
+      </p:transition>
+    </mc:Choice>
+    <mc:Fallback>
+      <p:transition spd="slow">
+        <p:fade/>
+      </p:transition>
+    </mc:Fallback>
+  </mc:AlternateContent>
 </p:sld>
 </file>
 
-<file path=ppt/slides/slide9.xml><?xml version="1.0" encoding="utf-8"?>
+<file path=ppt/slides/slide8.xml><?xml version="1.0" encoding="utf-8"?>
 <p:sld xmlns:a="http://schemas.openxmlformats.org/drawingml/2006/main" xmlns:r="http://schemas.openxmlformats.org/officeDocument/2006/relationships" xmlns:p="http://schemas.openxmlformats.org/presentationml/2006/main">
   <p:cSld>
     <p:spTree>
@@ -13462,6 +13264,406 @@
   <p:clrMapOvr>
     <a:masterClrMapping/>
   </p:clrMapOvr>
+  <mc:AlternateContent xmlns:mc="http://schemas.openxmlformats.org/markup-compatibility/2006">
+    <mc:Choice xmlns:p159="http://schemas.microsoft.com/office/powerpoint/2015/09/main" Requires="p159">
+      <p:transition xmlns:p14="http://schemas.microsoft.com/office/powerpoint/2010/main" spd="slow" p14:dur="2000">
+        <p159:morph option="byObject"/>
+      </p:transition>
+    </mc:Choice>
+    <mc:Fallback>
+      <p:transition spd="slow">
+        <p:fade/>
+      </p:transition>
+    </mc:Fallback>
+  </mc:AlternateContent>
+</p:sld>
+</file>
+
+<file path=ppt/slides/slide9.xml><?xml version="1.0" encoding="utf-8"?>
+<p:sld xmlns:a="http://schemas.openxmlformats.org/drawingml/2006/main" xmlns:r="http://schemas.openxmlformats.org/officeDocument/2006/relationships" xmlns:p="http://schemas.openxmlformats.org/presentationml/2006/main" showMasterSp="0">
+  <p:cSld>
+    <p:spTree>
+      <p:nvGrpSpPr>
+        <p:cNvPr id="1" name=""/>
+        <p:cNvGrpSpPr/>
+        <p:nvPr/>
+      </p:nvGrpSpPr>
+      <p:grpSpPr>
+        <a:xfrm>
+          <a:off x="0" y="0"/>
+          <a:ext cx="0" cy="0"/>
+          <a:chOff x="0" y="0"/>
+          <a:chExt cx="0" cy="0"/>
+        </a:xfrm>
+      </p:grpSpPr>
+      <p:sp>
+        <p:nvSpPr>
+          <p:cNvPr id="2" name="object 2"/>
+          <p:cNvSpPr txBox="1"/>
+          <p:nvPr/>
+        </p:nvSpPr>
+        <p:spPr>
+          <a:xfrm>
+            <a:off x="2874327" y="1231900"/>
+            <a:ext cx="8508683" cy="7562968"/>
+          </a:xfrm>
+          <a:prstGeom prst="rect">
+            <a:avLst/>
+          </a:prstGeom>
+        </p:spPr>
+        <p:txBody>
+          <a:bodyPr vert="horz" wrap="square" lIns="0" tIns="12065" rIns="0" bIns="0" rtlCol="0">
+            <a:spAutoFit/>
+          </a:bodyPr>
+          <a:lstStyle/>
+          <a:p>
+            <a:pPr marL="12700">
+              <a:spcBef>
+                <a:spcPts val="1325"/>
+              </a:spcBef>
+            </a:pPr>
+            <a:r>
+              <a:rPr sz="2800" spc="-10" dirty="0">
+                <a:solidFill>
+                  <a:schemeClr val="accent1">
+                    <a:lumMod val="40000"/>
+                    <a:lumOff val="60000"/>
+                  </a:schemeClr>
+                </a:solidFill>
+                <a:latin typeface="Arial Black" panose="020B0A04020102020204" pitchFamily="34" charset="0"/>
+                <a:cs typeface="Calibri Light"/>
+              </a:rPr>
+              <a:t>Lista de endpoints:</a:t>
+            </a:r>
+          </a:p>
+          <a:p>
+            <a:pPr marL="12700">
+              <a:spcBef>
+                <a:spcPts val="1585"/>
+              </a:spcBef>
+            </a:pPr>
+            <a:r>
+              <a:rPr dirty="0">
+                <a:latin typeface="Arial Black" panose="020B0A04020102020204" pitchFamily="34" charset="0"/>
+                <a:cs typeface="Times New Roman"/>
+              </a:rPr>
+              <a:t>Shops:</a:t>
+            </a:r>
+          </a:p>
+          <a:p>
+            <a:pPr marL="469265" indent="-228600">
+              <a:spcBef>
+                <a:spcPts val="1335"/>
+              </a:spcBef>
+              <a:buFont typeface="Symbol"/>
+              <a:buChar char=""/>
+              <a:tabLst>
+                <a:tab pos="469265" algn="l"/>
+              </a:tabLst>
+            </a:pPr>
+            <a:r>
+              <a:rPr dirty="0">
+                <a:latin typeface="Arial Black" panose="020B0A04020102020204" pitchFamily="34" charset="0"/>
+                <a:cs typeface="Times New Roman"/>
+              </a:rPr>
+              <a:t>GET /api/shops/{id}: Obtiene una tienda por su ID.</a:t>
+            </a:r>
+          </a:p>
+          <a:p>
+            <a:pPr marL="469265" indent="-228600">
+              <a:buFont typeface="Symbol"/>
+              <a:buChar char=""/>
+              <a:tabLst>
+                <a:tab pos="469265" algn="l"/>
+              </a:tabLst>
+            </a:pPr>
+            <a:r>
+              <a:rPr dirty="0">
+                <a:latin typeface="Arial Black" panose="020B0A04020102020204" pitchFamily="34" charset="0"/>
+                <a:cs typeface="Times New Roman"/>
+              </a:rPr>
+              <a:t>PUT /api/shops/{id}: Actualiza una tienda existente.</a:t>
+            </a:r>
+          </a:p>
+          <a:p>
+            <a:pPr marL="469265" indent="-228600">
+              <a:buFont typeface="Symbol"/>
+              <a:buChar char=""/>
+              <a:tabLst>
+                <a:tab pos="469265" algn="l"/>
+              </a:tabLst>
+            </a:pPr>
+            <a:r>
+              <a:rPr dirty="0">
+                <a:latin typeface="Arial Black" panose="020B0A04020102020204" pitchFamily="34" charset="0"/>
+                <a:cs typeface="Times New Roman"/>
+              </a:rPr>
+              <a:t>DELETE /api/shops/{id}: Elimina una tienda por su ID.</a:t>
+            </a:r>
+          </a:p>
+          <a:p>
+            <a:pPr marL="469265" indent="-228600">
+              <a:buFont typeface="Symbol"/>
+              <a:buChar char=""/>
+              <a:tabLst>
+                <a:tab pos="469265" algn="l"/>
+              </a:tabLst>
+            </a:pPr>
+            <a:r>
+              <a:rPr dirty="0">
+                <a:latin typeface="Arial Black" panose="020B0A04020102020204" pitchFamily="34" charset="0"/>
+                <a:cs typeface="Times New Roman"/>
+              </a:rPr>
+              <a:t>GET /api/shops: Obtiene todas las tiendas.</a:t>
+            </a:r>
+          </a:p>
+          <a:p>
+            <a:pPr marL="469265" indent="-228600">
+              <a:buFont typeface="Symbol"/>
+              <a:buChar char=""/>
+              <a:tabLst>
+                <a:tab pos="469265" algn="l"/>
+              </a:tabLst>
+            </a:pPr>
+            <a:r>
+              <a:rPr dirty="0">
+                <a:latin typeface="Arial Black" panose="020B0A04020102020204" pitchFamily="34" charset="0"/>
+                <a:cs typeface="Times New Roman"/>
+              </a:rPr>
+              <a:t>POST /api/shops: Crea una nueva tienda.</a:t>
+            </a:r>
+          </a:p>
+          <a:p>
+            <a:pPr marL="469265" marR="43180" indent="-228600">
+              <a:spcBef>
+                <a:spcPts val="45"/>
+              </a:spcBef>
+              <a:buFont typeface="Symbol"/>
+              <a:buChar char=""/>
+              <a:tabLst>
+                <a:tab pos="469265" algn="l"/>
+              </a:tabLst>
+            </a:pPr>
+            <a:r>
+              <a:rPr dirty="0">
+                <a:latin typeface="Arial Black" panose="020B0A04020102020204" pitchFamily="34" charset="0"/>
+                <a:cs typeface="Times New Roman"/>
+              </a:rPr>
+              <a:t>DELETE /api/shops/{id}/clients/{clientId}: Elimina un cliente de una tienda.</a:t>
+            </a:r>
+          </a:p>
+          <a:p>
+            <a:pPr marL="469265" indent="-228600">
+              <a:buFont typeface="Symbol"/>
+              <a:buChar char=""/>
+              <a:tabLst>
+                <a:tab pos="469265" algn="l"/>
+              </a:tabLst>
+            </a:pPr>
+            <a:r>
+              <a:rPr dirty="0">
+                <a:latin typeface="Arial Black" panose="020B0A04020102020204" pitchFamily="34" charset="0"/>
+                <a:cs typeface="Times New Roman"/>
+              </a:rPr>
+              <a:t>PATCH /api/shops/{id}/clients/{clientId}: Añade un cliente a una</a:t>
+            </a:r>
+          </a:p>
+          <a:p>
+            <a:pPr marL="469265"/>
+            <a:r>
+              <a:rPr dirty="0">
+                <a:latin typeface="Arial Black" panose="020B0A04020102020204" pitchFamily="34" charset="0"/>
+                <a:cs typeface="Times New Roman"/>
+              </a:rPr>
+              <a:t>tienda.</a:t>
+            </a:r>
+          </a:p>
+          <a:p>
+            <a:pPr marL="469265" indent="-228600">
+              <a:buFont typeface="Symbol"/>
+              <a:buChar char=""/>
+              <a:tabLst>
+                <a:tab pos="469265" algn="l"/>
+              </a:tabLst>
+            </a:pPr>
+            <a:r>
+              <a:rPr dirty="0">
+                <a:latin typeface="Arial Black" panose="020B0A04020102020204" pitchFamily="34" charset="0"/>
+                <a:cs typeface="Times New Roman"/>
+              </a:rPr>
+              <a:t>DELETE /api/shops/{id}/books/{bookId}: Elimina un libro de una tienda.</a:t>
+            </a:r>
+          </a:p>
+          <a:p>
+            <a:pPr marL="469265" indent="-228600">
+              <a:buFont typeface="Symbol"/>
+              <a:buChar char=""/>
+              <a:tabLst>
+                <a:tab pos="469265" algn="l"/>
+              </a:tabLst>
+            </a:pPr>
+            <a:r>
+              <a:rPr dirty="0">
+                <a:latin typeface="Arial Black" panose="020B0A04020102020204" pitchFamily="34" charset="0"/>
+                <a:cs typeface="Times New Roman"/>
+              </a:rPr>
+              <a:t>PATCH /api/shops/{id}/books/{bookId}: Añade un libro a una tienda.</a:t>
+            </a:r>
+          </a:p>
+          <a:p>
+            <a:pPr>
+              <a:spcBef>
+                <a:spcPts val="229"/>
+              </a:spcBef>
+              <a:buFont typeface="Symbol"/>
+              <a:buChar char=""/>
+            </a:pPr>
+            <a:endParaRPr dirty="0">
+              <a:latin typeface="Arial Black" panose="020B0A04020102020204" pitchFamily="34" charset="0"/>
+              <a:cs typeface="Times New Roman"/>
+            </a:endParaRPr>
+          </a:p>
+          <a:p>
+            <a:pPr marL="12700"/>
+            <a:r>
+              <a:rPr dirty="0">
+                <a:latin typeface="Arial Black" panose="020B0A04020102020204" pitchFamily="34" charset="0"/>
+                <a:cs typeface="Times New Roman"/>
+              </a:rPr>
+              <a:t>Publishers:</a:t>
+            </a:r>
+          </a:p>
+          <a:p>
+            <a:pPr marL="469265" indent="-228600">
+              <a:spcBef>
+                <a:spcPts val="1345"/>
+              </a:spcBef>
+              <a:buFont typeface="Symbol"/>
+              <a:buChar char=""/>
+              <a:tabLst>
+                <a:tab pos="469265" algn="l"/>
+              </a:tabLst>
+            </a:pPr>
+            <a:r>
+              <a:rPr dirty="0">
+                <a:latin typeface="Arial Black" panose="020B0A04020102020204" pitchFamily="34" charset="0"/>
+                <a:cs typeface="Times New Roman"/>
+              </a:rPr>
+              <a:t>GET /api/publishers/{id}: Obtiene una editorial dado un ID.</a:t>
+            </a:r>
+          </a:p>
+          <a:p>
+            <a:pPr marL="469265" indent="-228600">
+              <a:buFont typeface="Symbol"/>
+              <a:buChar char=""/>
+              <a:tabLst>
+                <a:tab pos="469265" algn="l"/>
+              </a:tabLst>
+            </a:pPr>
+            <a:r>
+              <a:rPr dirty="0">
+                <a:latin typeface="Arial Black" panose="020B0A04020102020204" pitchFamily="34" charset="0"/>
+                <a:cs typeface="Times New Roman"/>
+              </a:rPr>
+              <a:t>PUT /api/publishers/{id}: Actualiza una editorial.</a:t>
+            </a:r>
+          </a:p>
+          <a:p>
+            <a:pPr marL="469265" indent="-228600">
+              <a:buFont typeface="Symbol"/>
+              <a:buChar char=""/>
+              <a:tabLst>
+                <a:tab pos="469265" algn="l"/>
+              </a:tabLst>
+            </a:pPr>
+            <a:r>
+              <a:rPr dirty="0">
+                <a:latin typeface="Arial Black" panose="020B0A04020102020204" pitchFamily="34" charset="0"/>
+                <a:cs typeface="Times New Roman"/>
+              </a:rPr>
+              <a:t>DELETE /api/publishers/{id}: Elimina una editorial.</a:t>
+            </a:r>
+          </a:p>
+          <a:p>
+            <a:pPr marL="469265" indent="-228600">
+              <a:buFont typeface="Symbol"/>
+              <a:buChar char=""/>
+              <a:tabLst>
+                <a:tab pos="469265" algn="l"/>
+              </a:tabLst>
+            </a:pPr>
+            <a:r>
+              <a:rPr dirty="0">
+                <a:latin typeface="Arial Black" panose="020B0A04020102020204" pitchFamily="34" charset="0"/>
+                <a:cs typeface="Times New Roman"/>
+              </a:rPr>
+              <a:t>GET /api/publishers: Obtiene todas las editoriales.</a:t>
+            </a:r>
+          </a:p>
+          <a:p>
+            <a:pPr marL="469265" indent="-228600">
+              <a:buFont typeface="Symbol"/>
+              <a:buChar char=""/>
+              <a:tabLst>
+                <a:tab pos="469265" algn="l"/>
+              </a:tabLst>
+            </a:pPr>
+            <a:r>
+              <a:rPr dirty="0">
+                <a:latin typeface="Arial Black" panose="020B0A04020102020204" pitchFamily="34" charset="0"/>
+                <a:cs typeface="Times New Roman"/>
+              </a:rPr>
+              <a:t>POST /api/publishers: Crea una editorial.</a:t>
+            </a:r>
+          </a:p>
+          <a:p>
+            <a:pPr marL="469265" indent="-228600">
+              <a:buFont typeface="Symbol"/>
+              <a:buChar char=""/>
+              <a:tabLst>
+                <a:tab pos="469265" algn="l"/>
+              </a:tabLst>
+            </a:pPr>
+            <a:r>
+              <a:rPr dirty="0">
+                <a:latin typeface="Arial Black" panose="020B0A04020102020204" pitchFamily="34" charset="0"/>
+                <a:cs typeface="Times New Roman"/>
+              </a:rPr>
+              <a:t>PATCH /api/publishers/image/{id}: Actualiza la imagen de una editorial.</a:t>
+            </a:r>
+          </a:p>
+          <a:p>
+            <a:pPr>
+              <a:lnSpc>
+                <a:spcPct val="100000"/>
+              </a:lnSpc>
+              <a:buFont typeface="Symbol"/>
+              <a:buChar char=""/>
+            </a:pPr>
+            <a:endParaRPr sz="1200" dirty="0">
+              <a:latin typeface="Times New Roman"/>
+              <a:cs typeface="Times New Roman"/>
+            </a:endParaRPr>
+          </a:p>
+        </p:txBody>
+      </p:sp>
+    </p:spTree>
+  </p:cSld>
+  <p:clrMapOvr>
+    <a:masterClrMapping/>
+  </p:clrMapOvr>
+  <mc:AlternateContent xmlns:mc="http://schemas.openxmlformats.org/markup-compatibility/2006">
+    <mc:Choice xmlns:p159="http://schemas.microsoft.com/office/powerpoint/2015/09/main" Requires="p159">
+      <p:transition xmlns:p14="http://schemas.microsoft.com/office/powerpoint/2010/main" spd="slow" p14:dur="2000">
+        <p159:morph option="byObject"/>
+      </p:transition>
+    </mc:Choice>
+    <mc:Fallback>
+      <p:transition spd="slow">
+        <p:fade/>
+      </p:transition>
+    </mc:Fallback>
+  </mc:AlternateContent>
 </p:sld>
 </file>
 
